--- a/images/brillio-architecture-diagram.pptx
+++ b/images/brillio-architecture-diagram.pptx
@@ -3715,7 +3715,7 @@
         </p:blipFill>
         <p:spPr bwMode="auto">
           <a:xfrm>
-            <a:off x="903063" y="4474156"/>
+            <a:off x="927274" y="4483612"/>
             <a:ext cx="762000" cy="762000"/>
           </a:xfrm>
           <a:prstGeom prst="rect">
@@ -3951,7 +3951,7 @@
         </p:blipFill>
         <p:spPr bwMode="auto">
           <a:xfrm>
-            <a:off x="2597175" y="4474156"/>
+            <a:off x="2508332" y="4483612"/>
             <a:ext cx="762000" cy="762000"/>
           </a:xfrm>
           <a:prstGeom prst="rect">
@@ -3998,7 +3998,7 @@
         </p:nvSpPr>
         <p:spPr bwMode="auto">
           <a:xfrm>
-            <a:off x="1877243" y="5319026"/>
+            <a:off x="1775210" y="5319026"/>
             <a:ext cx="2201863" cy="276999"/>
           </a:xfrm>
           <a:prstGeom prst="rect">
@@ -4185,7 +4185,7 @@
         </p:blipFill>
         <p:spPr bwMode="auto">
           <a:xfrm>
-            <a:off x="4248368" y="4475484"/>
+            <a:off x="4188766" y="4483612"/>
             <a:ext cx="762000" cy="762000"/>
           </a:xfrm>
           <a:prstGeom prst="rect">
@@ -4232,7 +4232,7 @@
         </p:nvSpPr>
         <p:spPr bwMode="auto">
           <a:xfrm>
-            <a:off x="3507799" y="5319026"/>
+            <a:off x="3507799" y="5300273"/>
             <a:ext cx="2243137" cy="461665"/>
           </a:xfrm>
           <a:prstGeom prst="rect">

--- a/images/brillio-architecture-diagram.pptx
+++ b/images/brillio-architecture-diagram.pptx
@@ -1365,7 +1365,7 @@
         </p:blipFill>
         <p:spPr>
           <a:xfrm>
-            <a:off x="2597175" y="922268"/>
+            <a:off x="2610774" y="924652"/>
             <a:ext cx="278967" cy="278967"/>
           </a:xfrm>
           <a:prstGeom prst="rect">
